--- a/paper/pulse/ISWC2021/ISWC2021.pptx
+++ b/paper/pulse/ISWC2021/ISWC2021.pptx
@@ -5,10 +5,12 @@
     <p:sldMasterId id="2147483648" r:id="rId1"/>
   </p:sldMasterIdLst>
   <p:notesMasterIdLst>
-    <p:notesMasterId r:id="rId3"/>
+    <p:notesMasterId r:id="rId5"/>
   </p:notesMasterIdLst>
   <p:sldIdLst>
     <p:sldId id="256" r:id="rId2"/>
+    <p:sldId id="257" r:id="rId3"/>
+    <p:sldId id="258" r:id="rId4"/>
   </p:sldIdLst>
   <p:sldSz cx="12192000" cy="6858000"/>
   <p:notesSz cx="6858000" cy="9144000"/>
@@ -5187,6 +5189,431 @@
     <p:extLst>
       <p:ext uri="{BB962C8B-B14F-4D97-AF65-F5344CB8AC3E}">
         <p14:creationId xmlns:p14="http://schemas.microsoft.com/office/powerpoint/2010/main" val="2681219381"/>
+      </p:ext>
+    </p:extLst>
+  </p:cSld>
+  <p:clrMapOvr>
+    <a:masterClrMapping/>
+  </p:clrMapOvr>
+</p:sld>
+</file>
+
+<file path=ppt/slides/slide2.xml><?xml version="1.0" encoding="utf-8"?>
+<p:sld xmlns:a="http://schemas.openxmlformats.org/drawingml/2006/main" xmlns:r="http://schemas.openxmlformats.org/officeDocument/2006/relationships" xmlns:p="http://schemas.openxmlformats.org/presentationml/2006/main">
+  <p:cSld>
+    <p:spTree>
+      <p:nvGrpSpPr>
+        <p:cNvPr id="1" name=""/>
+        <p:cNvGrpSpPr/>
+        <p:nvPr/>
+      </p:nvGrpSpPr>
+      <p:grpSpPr>
+        <a:xfrm>
+          <a:off x="0" y="0"/>
+          <a:ext cx="0" cy="0"/>
+          <a:chOff x="0" y="0"/>
+          <a:chExt cx="0" cy="0"/>
+        </a:xfrm>
+      </p:grpSpPr>
+      <p:sp>
+        <p:nvSpPr>
+          <p:cNvPr id="2" name="タイトル 1">
+            <a:extLst>
+              <a:ext uri="{FF2B5EF4-FFF2-40B4-BE49-F238E27FC236}">
+                <a16:creationId xmlns:a16="http://schemas.microsoft.com/office/drawing/2014/main" id="{74B171C6-4C27-4BEE-83CC-C6609A0DAC3F}"/>
+              </a:ext>
+            </a:extLst>
+          </p:cNvPr>
+          <p:cNvSpPr>
+            <a:spLocks noGrp="1"/>
+          </p:cNvSpPr>
+          <p:nvPr>
+            <p:ph type="title"/>
+          </p:nvPr>
+        </p:nvSpPr>
+        <p:spPr/>
+        <p:txBody>
+          <a:bodyPr/>
+          <a:lstStyle/>
+          <a:p>
+            <a:r>
+              <a:rPr kumimoji="1" lang="en-US" altLang="ja-JP" dirty="0"/>
+              <a:t>Background (1/3)</a:t>
+            </a:r>
+            <a:endParaRPr kumimoji="1" lang="ja-JP" altLang="en-US" dirty="0"/>
+          </a:p>
+        </p:txBody>
+      </p:sp>
+      <p:sp>
+        <p:nvSpPr>
+          <p:cNvPr id="3" name="コンテンツ プレースホルダー 2">
+            <a:extLst>
+              <a:ext uri="{FF2B5EF4-FFF2-40B4-BE49-F238E27FC236}">
+                <a16:creationId xmlns:a16="http://schemas.microsoft.com/office/drawing/2014/main" id="{7FDC7C03-C300-405F-B724-EFD3F439C10D}"/>
+              </a:ext>
+            </a:extLst>
+          </p:cNvPr>
+          <p:cNvSpPr>
+            <a:spLocks noGrp="1"/>
+          </p:cNvSpPr>
+          <p:nvPr>
+            <p:ph idx="1"/>
+          </p:nvPr>
+        </p:nvSpPr>
+        <p:spPr/>
+        <p:txBody>
+          <a:bodyPr/>
+          <a:lstStyle/>
+          <a:p>
+            <a:r>
+              <a:rPr kumimoji="1" lang="en-US" altLang="ja-JP" dirty="0"/>
+              <a:t>Wearable devices are widely used.</a:t>
+            </a:r>
+          </a:p>
+          <a:p>
+            <a:endParaRPr lang="en-US" altLang="ja-JP" dirty="0"/>
+          </a:p>
+          <a:p>
+            <a:r>
+              <a:rPr kumimoji="1" lang="en-US" altLang="ja-JP" dirty="0"/>
+              <a:t>It has the following functions.</a:t>
+            </a:r>
+          </a:p>
+          <a:p>
+            <a:pPr lvl="1"/>
+            <a:r>
+              <a:rPr kumimoji="1" lang="en-US" altLang="ja-JP" dirty="0"/>
+              <a:t>Call, message, clock, and payment functions</a:t>
+            </a:r>
+            <a:r>
+              <a:rPr lang="en-US" altLang="ja-JP" dirty="0"/>
+              <a:t>.</a:t>
+            </a:r>
+          </a:p>
+          <a:p>
+            <a:pPr lvl="1"/>
+            <a:r>
+              <a:rPr kumimoji="1" lang="en-US" altLang="ja-JP" dirty="0"/>
+              <a:t>Biometric recording function.</a:t>
+            </a:r>
+          </a:p>
+          <a:p>
+            <a:pPr lvl="2"/>
+            <a:r>
+              <a:rPr kumimoji="1" lang="en-US" altLang="ja-JP" dirty="0"/>
+              <a:t>Heart rate, respiratory rate, body temperature, etc.</a:t>
+            </a:r>
+          </a:p>
+          <a:p>
+            <a:pPr lvl="1"/>
+            <a:r>
+              <a:rPr kumimoji="1" lang="en-US" altLang="ja-JP" dirty="0"/>
+              <a:t>Activity annotation function</a:t>
+            </a:r>
+            <a:r>
+              <a:rPr lang="en-US" altLang="ja-JP" dirty="0"/>
+              <a:t>.</a:t>
+            </a:r>
+          </a:p>
+          <a:p>
+            <a:pPr lvl="2"/>
+            <a:r>
+              <a:rPr kumimoji="1" lang="en-US" altLang="ja-JP" dirty="0"/>
+              <a:t>Walking, eating, sleeping, etc.</a:t>
+            </a:r>
+            <a:endParaRPr kumimoji="1" lang="ja-JP" altLang="en-US" dirty="0"/>
+          </a:p>
+        </p:txBody>
+      </p:sp>
+      <p:sp>
+        <p:nvSpPr>
+          <p:cNvPr id="4" name="フッター プレースホルダー 3">
+            <a:extLst>
+              <a:ext uri="{FF2B5EF4-FFF2-40B4-BE49-F238E27FC236}">
+                <a16:creationId xmlns:a16="http://schemas.microsoft.com/office/drawing/2014/main" id="{47CA0D73-3112-4085-853B-B63538BFF902}"/>
+              </a:ext>
+            </a:extLst>
+          </p:cNvPr>
+          <p:cNvSpPr>
+            <a:spLocks noGrp="1"/>
+          </p:cNvSpPr>
+          <p:nvPr>
+            <p:ph type="ftr" sz="quarter" idx="11"/>
+          </p:nvPr>
+        </p:nvSpPr>
+        <p:spPr/>
+        <p:txBody>
+          <a:bodyPr/>
+          <a:lstStyle/>
+          <a:p>
+            <a:r>
+              <a:rPr lang="en-US" altLang="ja-JP"/>
+              <a:t>International Symposium on Wearable Computers (ISWC ’21), September 21–26, 2021, Virtual, USA.</a:t>
+            </a:r>
+            <a:endParaRPr lang="ja-JP" altLang="en-US" dirty="0"/>
+          </a:p>
+        </p:txBody>
+      </p:sp>
+      <p:sp>
+        <p:nvSpPr>
+          <p:cNvPr id="5" name="スライド番号プレースホルダー 4">
+            <a:extLst>
+              <a:ext uri="{FF2B5EF4-FFF2-40B4-BE49-F238E27FC236}">
+                <a16:creationId xmlns:a16="http://schemas.microsoft.com/office/drawing/2014/main" id="{CA0F1292-80BE-4F4D-8A1A-6DA3D527E783}"/>
+              </a:ext>
+            </a:extLst>
+          </p:cNvPr>
+          <p:cNvSpPr>
+            <a:spLocks noGrp="1"/>
+          </p:cNvSpPr>
+          <p:nvPr>
+            <p:ph type="sldNum" sz="quarter" idx="12"/>
+          </p:nvPr>
+        </p:nvSpPr>
+        <p:spPr/>
+        <p:txBody>
+          <a:bodyPr/>
+          <a:lstStyle/>
+          <a:p>
+            <a:fld id="{92084505-5355-43A2-B929-FD06D0DABC31}" type="slidenum">
+              <a:rPr lang="ja-JP" altLang="en-US" smtClean="0"/>
+              <a:pPr/>
+              <a:t>2</a:t>
+            </a:fld>
+            <a:endParaRPr lang="ja-JP" altLang="en-US" dirty="0"/>
+          </a:p>
+        </p:txBody>
+      </p:sp>
+      <p:pic>
+        <p:nvPicPr>
+          <p:cNvPr id="7" name="図 6" descr="食品, 部屋 が含まれている画像&#10;&#10;自動的に生成された説明">
+            <a:extLst>
+              <a:ext uri="{FF2B5EF4-FFF2-40B4-BE49-F238E27FC236}">
+                <a16:creationId xmlns:a16="http://schemas.microsoft.com/office/drawing/2014/main" id="{899230F7-B401-4921-86EC-2D4A7E940AD2}"/>
+              </a:ext>
+            </a:extLst>
+          </p:cNvPr>
+          <p:cNvPicPr>
+            <a:picLocks noChangeAspect="1"/>
+          </p:cNvPicPr>
+          <p:nvPr/>
+        </p:nvPicPr>
+        <p:blipFill>
+          <a:blip r:embed="rId2">
+            <a:extLst>
+              <a:ext uri="{28A0092B-C50C-407E-A947-70E740481C1C}">
+                <a14:useLocalDpi xmlns:a14="http://schemas.microsoft.com/office/drawing/2010/main" val="0"/>
+              </a:ext>
+            </a:extLst>
+          </a:blip>
+          <a:stretch>
+            <a:fillRect/>
+          </a:stretch>
+        </p:blipFill>
+        <p:spPr>
+          <a:xfrm>
+            <a:off x="8381471" y="2700352"/>
+            <a:ext cx="2882973" cy="2601884"/>
+          </a:xfrm>
+          <a:prstGeom prst="rect">
+            <a:avLst/>
+          </a:prstGeom>
+        </p:spPr>
+      </p:pic>
+    </p:spTree>
+    <p:extLst>
+      <p:ext uri="{BB962C8B-B14F-4D97-AF65-F5344CB8AC3E}">
+        <p14:creationId xmlns:p14="http://schemas.microsoft.com/office/powerpoint/2010/main" val="1633506012"/>
+      </p:ext>
+    </p:extLst>
+  </p:cSld>
+  <p:clrMapOvr>
+    <a:masterClrMapping/>
+  </p:clrMapOvr>
+</p:sld>
+</file>
+
+<file path=ppt/slides/slide3.xml><?xml version="1.0" encoding="utf-8"?>
+<p:sld xmlns:a="http://schemas.openxmlformats.org/drawingml/2006/main" xmlns:r="http://schemas.openxmlformats.org/officeDocument/2006/relationships" xmlns:p="http://schemas.openxmlformats.org/presentationml/2006/main">
+  <p:cSld>
+    <p:spTree>
+      <p:nvGrpSpPr>
+        <p:cNvPr id="1" name=""/>
+        <p:cNvGrpSpPr/>
+        <p:nvPr/>
+      </p:nvGrpSpPr>
+      <p:grpSpPr>
+        <a:xfrm>
+          <a:off x="0" y="0"/>
+          <a:ext cx="0" cy="0"/>
+          <a:chOff x="0" y="0"/>
+          <a:chExt cx="0" cy="0"/>
+        </a:xfrm>
+      </p:grpSpPr>
+      <p:sp>
+        <p:nvSpPr>
+          <p:cNvPr id="2" name="タイトル 1">
+            <a:extLst>
+              <a:ext uri="{FF2B5EF4-FFF2-40B4-BE49-F238E27FC236}">
+                <a16:creationId xmlns:a16="http://schemas.microsoft.com/office/drawing/2014/main" id="{922C8307-61D5-464B-AD88-1C70C9D6CB56}"/>
+              </a:ext>
+            </a:extLst>
+          </p:cNvPr>
+          <p:cNvSpPr>
+            <a:spLocks noGrp="1"/>
+          </p:cNvSpPr>
+          <p:nvPr>
+            <p:ph type="title"/>
+          </p:nvPr>
+        </p:nvSpPr>
+        <p:spPr/>
+        <p:txBody>
+          <a:bodyPr/>
+          <a:lstStyle/>
+          <a:p>
+            <a:r>
+              <a:rPr kumimoji="1" lang="en-US" altLang="ja-JP" dirty="0"/>
+              <a:t>Background (2/3)</a:t>
+            </a:r>
+            <a:endParaRPr kumimoji="1" lang="ja-JP" altLang="en-US" dirty="0"/>
+          </a:p>
+        </p:txBody>
+      </p:sp>
+      <p:sp>
+        <p:nvSpPr>
+          <p:cNvPr id="3" name="コンテンツ プレースホルダー 2">
+            <a:extLst>
+              <a:ext uri="{FF2B5EF4-FFF2-40B4-BE49-F238E27FC236}">
+                <a16:creationId xmlns:a16="http://schemas.microsoft.com/office/drawing/2014/main" id="{49921D43-3AF1-4498-B050-63BC98D46B0B}"/>
+              </a:ext>
+            </a:extLst>
+          </p:cNvPr>
+          <p:cNvSpPr>
+            <a:spLocks noGrp="1"/>
+          </p:cNvSpPr>
+          <p:nvPr>
+            <p:ph idx="1"/>
+          </p:nvPr>
+        </p:nvSpPr>
+        <p:spPr/>
+        <p:txBody>
+          <a:bodyPr/>
+          <a:lstStyle/>
+          <a:p>
+            <a:r>
+              <a:rPr kumimoji="1" lang="en-US" altLang="ja-JP" dirty="0"/>
+              <a:t>The most common technique of recording pulse data is called photoplethysmography (PPG).</a:t>
+            </a:r>
+          </a:p>
+          <a:p>
+            <a:r>
+              <a:rPr kumimoji="1" lang="en-US" altLang="ja-JP" dirty="0"/>
+              <a:t>It measures pulse data by irradiating LED light onto the skin and detecting changes in the light reflected through blood vessels.</a:t>
+            </a:r>
+          </a:p>
+          <a:p>
+            <a:pPr lvl="1"/>
+            <a:r>
+              <a:rPr kumimoji="1" lang="en-US" altLang="ja-JP" dirty="0"/>
+              <a:t>Oxidized hemoglobin has the property of absorbing this LED light.</a:t>
+            </a:r>
+            <a:endParaRPr lang="en-US" altLang="ja-JP" dirty="0"/>
+          </a:p>
+          <a:p>
+            <a:pPr lvl="1"/>
+            <a:endParaRPr kumimoji="1" lang="en-US" altLang="ja-JP" dirty="0"/>
+          </a:p>
+          <a:p>
+            <a:pPr marL="0" indent="0">
+              <a:buNone/>
+            </a:pPr>
+            <a:r>
+              <a:rPr lang="ja-JP" altLang="en-US" dirty="0">
+                <a:solidFill>
+                  <a:srgbClr val="FF0000"/>
+                </a:solidFill>
+              </a:rPr>
+              <a:t>→ </a:t>
+            </a:r>
+            <a:r>
+              <a:rPr lang="en-US" altLang="ja-JP" dirty="0">
+                <a:solidFill>
+                  <a:srgbClr val="FF0000"/>
+                </a:solidFill>
+              </a:rPr>
+              <a:t>Need blood flow.</a:t>
+            </a:r>
+            <a:endParaRPr kumimoji="1" lang="ja-JP" altLang="en-US" dirty="0">
+              <a:solidFill>
+                <a:srgbClr val="FF0000"/>
+              </a:solidFill>
+            </a:endParaRPr>
+          </a:p>
+        </p:txBody>
+      </p:sp>
+      <p:sp>
+        <p:nvSpPr>
+          <p:cNvPr id="4" name="フッター プレースホルダー 3">
+            <a:extLst>
+              <a:ext uri="{FF2B5EF4-FFF2-40B4-BE49-F238E27FC236}">
+                <a16:creationId xmlns:a16="http://schemas.microsoft.com/office/drawing/2014/main" id="{360EF740-EF2F-4608-B6A9-9A843C8CD58F}"/>
+              </a:ext>
+            </a:extLst>
+          </p:cNvPr>
+          <p:cNvSpPr>
+            <a:spLocks noGrp="1"/>
+          </p:cNvSpPr>
+          <p:nvPr>
+            <p:ph type="ftr" sz="quarter" idx="11"/>
+          </p:nvPr>
+        </p:nvSpPr>
+        <p:spPr/>
+        <p:txBody>
+          <a:bodyPr/>
+          <a:lstStyle/>
+          <a:p>
+            <a:r>
+              <a:rPr lang="en-US" altLang="ja-JP"/>
+              <a:t>International Symposium on Wearable Computers (ISWC ’21), September 21–26, 2021, Virtual, USA.</a:t>
+            </a:r>
+            <a:endParaRPr lang="ja-JP" altLang="en-US" dirty="0"/>
+          </a:p>
+        </p:txBody>
+      </p:sp>
+      <p:sp>
+        <p:nvSpPr>
+          <p:cNvPr id="5" name="スライド番号プレースホルダー 4">
+            <a:extLst>
+              <a:ext uri="{FF2B5EF4-FFF2-40B4-BE49-F238E27FC236}">
+                <a16:creationId xmlns:a16="http://schemas.microsoft.com/office/drawing/2014/main" id="{9B099FA5-82F4-43E5-9B70-F0651CA759FB}"/>
+              </a:ext>
+            </a:extLst>
+          </p:cNvPr>
+          <p:cNvSpPr>
+            <a:spLocks noGrp="1"/>
+          </p:cNvSpPr>
+          <p:nvPr>
+            <p:ph type="sldNum" sz="quarter" idx="12"/>
+          </p:nvPr>
+        </p:nvSpPr>
+        <p:spPr/>
+        <p:txBody>
+          <a:bodyPr/>
+          <a:lstStyle/>
+          <a:p>
+            <a:fld id="{92084505-5355-43A2-B929-FD06D0DABC31}" type="slidenum">
+              <a:rPr lang="ja-JP" altLang="en-US" smtClean="0"/>
+              <a:pPr/>
+              <a:t>3</a:t>
+            </a:fld>
+            <a:endParaRPr lang="ja-JP" altLang="en-US" dirty="0"/>
+          </a:p>
+        </p:txBody>
+      </p:sp>
+    </p:spTree>
+    <p:extLst>
+      <p:ext uri="{BB962C8B-B14F-4D97-AF65-F5344CB8AC3E}">
+        <p14:creationId xmlns:p14="http://schemas.microsoft.com/office/powerpoint/2010/main" val="96105234"/>
       </p:ext>
     </p:extLst>
   </p:cSld>

--- a/paper/pulse/ISWC2021/ISWC2021.pptx
+++ b/paper/pulse/ISWC2021/ISWC2021.pptx
@@ -5,12 +5,13 @@
     <p:sldMasterId id="2147483648" r:id="rId1"/>
   </p:sldMasterIdLst>
   <p:notesMasterIdLst>
-    <p:notesMasterId r:id="rId5"/>
+    <p:notesMasterId r:id="rId6"/>
   </p:notesMasterIdLst>
   <p:sldIdLst>
     <p:sldId id="256" r:id="rId2"/>
     <p:sldId id="257" r:id="rId3"/>
     <p:sldId id="258" r:id="rId4"/>
+    <p:sldId id="259" r:id="rId5"/>
   </p:sldIdLst>
   <p:sldSz cx="12192000" cy="6858000"/>
   <p:notesSz cx="6858000" cy="9144000"/>
@@ -5614,6 +5615,164 @@
     <p:extLst>
       <p:ext uri="{BB962C8B-B14F-4D97-AF65-F5344CB8AC3E}">
         <p14:creationId xmlns:p14="http://schemas.microsoft.com/office/powerpoint/2010/main" val="96105234"/>
+      </p:ext>
+    </p:extLst>
+  </p:cSld>
+  <p:clrMapOvr>
+    <a:masterClrMapping/>
+  </p:clrMapOvr>
+</p:sld>
+</file>
+
+<file path=ppt/slides/slide4.xml><?xml version="1.0" encoding="utf-8"?>
+<p:sld xmlns:a="http://schemas.openxmlformats.org/drawingml/2006/main" xmlns:r="http://schemas.openxmlformats.org/officeDocument/2006/relationships" xmlns:p="http://schemas.openxmlformats.org/presentationml/2006/main">
+  <p:cSld>
+    <p:spTree>
+      <p:nvGrpSpPr>
+        <p:cNvPr id="1" name=""/>
+        <p:cNvGrpSpPr/>
+        <p:nvPr/>
+      </p:nvGrpSpPr>
+      <p:grpSpPr>
+        <a:xfrm>
+          <a:off x="0" y="0"/>
+          <a:ext cx="0" cy="0"/>
+          <a:chOff x="0" y="0"/>
+          <a:chExt cx="0" cy="0"/>
+        </a:xfrm>
+      </p:grpSpPr>
+      <p:sp>
+        <p:nvSpPr>
+          <p:cNvPr id="2" name="タイトル 1">
+            <a:extLst>
+              <a:ext uri="{FF2B5EF4-FFF2-40B4-BE49-F238E27FC236}">
+                <a16:creationId xmlns:a16="http://schemas.microsoft.com/office/drawing/2014/main" id="{8D4677BC-CACE-4624-AB46-3C134319319A}"/>
+              </a:ext>
+            </a:extLst>
+          </p:cNvPr>
+          <p:cNvSpPr>
+            <a:spLocks noGrp="1"/>
+          </p:cNvSpPr>
+          <p:nvPr>
+            <p:ph type="title"/>
+          </p:nvPr>
+        </p:nvSpPr>
+        <p:spPr/>
+        <p:txBody>
+          <a:bodyPr/>
+          <a:lstStyle/>
+          <a:p>
+            <a:r>
+              <a:rPr kumimoji="1" lang="en-US" altLang="ja-JP" dirty="0"/>
+              <a:t>Background (3/3)</a:t>
+            </a:r>
+            <a:endParaRPr kumimoji="1" lang="ja-JP" altLang="en-US" dirty="0"/>
+          </a:p>
+        </p:txBody>
+      </p:sp>
+      <p:sp>
+        <p:nvSpPr>
+          <p:cNvPr id="3" name="コンテンツ プレースホルダー 2">
+            <a:extLst>
+              <a:ext uri="{FF2B5EF4-FFF2-40B4-BE49-F238E27FC236}">
+                <a16:creationId xmlns:a16="http://schemas.microsoft.com/office/drawing/2014/main" id="{5D502CF4-6E28-4BCB-B303-2FA10DF7F1C3}"/>
+              </a:ext>
+            </a:extLst>
+          </p:cNvPr>
+          <p:cNvSpPr>
+            <a:spLocks noGrp="1"/>
+          </p:cNvSpPr>
+          <p:nvPr>
+            <p:ph idx="1"/>
+          </p:nvPr>
+        </p:nvSpPr>
+        <p:spPr/>
+        <p:txBody>
+          <a:bodyPr/>
+          <a:lstStyle/>
+          <a:p>
+            <a:r>
+              <a:rPr kumimoji="1" lang="en-US" altLang="ja-JP" dirty="0"/>
+              <a:t>Assumption of a wearable device on an artificial body.</a:t>
+            </a:r>
+          </a:p>
+          <a:p>
+            <a:pPr lvl="1"/>
+            <a:r>
+              <a:rPr kumimoji="1" lang="en-US" altLang="ja-JP" dirty="0"/>
+              <a:t>Call, message, clock, and payment </a:t>
+            </a:r>
+            <a:r>
+              <a:rPr kumimoji="1" lang="en-US" altLang="ja-JP"/>
+              <a:t>functions: available</a:t>
+            </a:r>
+            <a:endParaRPr kumimoji="1" lang="ja-JP" altLang="en-US" dirty="0"/>
+          </a:p>
+        </p:txBody>
+      </p:sp>
+      <p:sp>
+        <p:nvSpPr>
+          <p:cNvPr id="4" name="フッター プレースホルダー 3">
+            <a:extLst>
+              <a:ext uri="{FF2B5EF4-FFF2-40B4-BE49-F238E27FC236}">
+                <a16:creationId xmlns:a16="http://schemas.microsoft.com/office/drawing/2014/main" id="{EECE8312-BADE-4905-A869-BA5D9D8A4D7E}"/>
+              </a:ext>
+            </a:extLst>
+          </p:cNvPr>
+          <p:cNvSpPr>
+            <a:spLocks noGrp="1"/>
+          </p:cNvSpPr>
+          <p:nvPr>
+            <p:ph type="ftr" sz="quarter" idx="11"/>
+          </p:nvPr>
+        </p:nvSpPr>
+        <p:spPr/>
+        <p:txBody>
+          <a:bodyPr/>
+          <a:lstStyle/>
+          <a:p>
+            <a:r>
+              <a:rPr lang="en-US" altLang="ja-JP"/>
+              <a:t>International Symposium on Wearable Computers (ISWC ’21), September 21–26, 2021, Virtual, USA.</a:t>
+            </a:r>
+            <a:endParaRPr lang="ja-JP" altLang="en-US" dirty="0"/>
+          </a:p>
+        </p:txBody>
+      </p:sp>
+      <p:sp>
+        <p:nvSpPr>
+          <p:cNvPr id="5" name="スライド番号プレースホルダー 4">
+            <a:extLst>
+              <a:ext uri="{FF2B5EF4-FFF2-40B4-BE49-F238E27FC236}">
+                <a16:creationId xmlns:a16="http://schemas.microsoft.com/office/drawing/2014/main" id="{B7FB9F94-697A-493C-B0E3-A956C72742D4}"/>
+              </a:ext>
+            </a:extLst>
+          </p:cNvPr>
+          <p:cNvSpPr>
+            <a:spLocks noGrp="1"/>
+          </p:cNvSpPr>
+          <p:nvPr>
+            <p:ph type="sldNum" sz="quarter" idx="12"/>
+          </p:nvPr>
+        </p:nvSpPr>
+        <p:spPr/>
+        <p:txBody>
+          <a:bodyPr/>
+          <a:lstStyle/>
+          <a:p>
+            <a:fld id="{92084505-5355-43A2-B929-FD06D0DABC31}" type="slidenum">
+              <a:rPr lang="ja-JP" altLang="en-US" smtClean="0"/>
+              <a:pPr/>
+              <a:t>4</a:t>
+            </a:fld>
+            <a:endParaRPr lang="ja-JP" altLang="en-US" dirty="0"/>
+          </a:p>
+        </p:txBody>
+      </p:sp>
+    </p:spTree>
+    <p:extLst>
+      <p:ext uri="{BB962C8B-B14F-4D97-AF65-F5344CB8AC3E}">
+        <p14:creationId xmlns:p14="http://schemas.microsoft.com/office/powerpoint/2010/main" val="2068959131"/>
       </p:ext>
     </p:extLst>
   </p:cSld>

--- a/paper/pulse/ISWC2021/ISWC2021.pptx
+++ b/paper/pulse/ISWC2021/ISWC2021.pptx
@@ -5,13 +5,15 @@
     <p:sldMasterId id="2147483648" r:id="rId1"/>
   </p:sldMasterIdLst>
   <p:notesMasterIdLst>
-    <p:notesMasterId r:id="rId6"/>
+    <p:notesMasterId r:id="rId8"/>
   </p:notesMasterIdLst>
   <p:sldIdLst>
     <p:sldId id="256" r:id="rId2"/>
     <p:sldId id="257" r:id="rId3"/>
     <p:sldId id="258" r:id="rId4"/>
     <p:sldId id="259" r:id="rId5"/>
+    <p:sldId id="260" r:id="rId6"/>
+    <p:sldId id="261" r:id="rId7"/>
   </p:sldIdLst>
   <p:sldSz cx="12192000" cy="6858000"/>
   <p:notesSz cx="6858000" cy="9144000"/>
@@ -451,7 +453,7 @@
           <a:p>
             <a:fld id="{4422507A-29CE-4FCB-8EEC-8E792EA02E35}" type="datetimeFigureOut">
               <a:rPr kumimoji="1" lang="ja-JP" altLang="en-US" smtClean="0"/>
-              <a:t>2021/8/24</a:t>
+              <a:t>2021/8/25</a:t>
             </a:fld>
             <a:endParaRPr kumimoji="1" lang="ja-JP" altLang="en-US"/>
           </a:p>
@@ -835,7 +837,7 @@
           <a:p>
             <a:fld id="{44FEF679-267A-4481-8BB5-8AE24A51FDA5}" type="datetime1">
               <a:rPr kumimoji="1" lang="ja-JP" altLang="en-US" smtClean="0"/>
-              <a:t>2021/8/24</a:t>
+              <a:t>2021/8/25</a:t>
             </a:fld>
             <a:endParaRPr kumimoji="1" lang="ja-JP" altLang="en-US"/>
           </a:p>
@@ -1379,7 +1381,7 @@
           <a:p>
             <a:fld id="{92087A72-48A1-4555-B025-9E588A91CA30}" type="datetime1">
               <a:rPr kumimoji="1" lang="ja-JP" altLang="en-US" smtClean="0"/>
-              <a:t>2021/8/24</a:t>
+              <a:t>2021/8/25</a:t>
             </a:fld>
             <a:endParaRPr kumimoji="1" lang="ja-JP" altLang="en-US"/>
           </a:p>
@@ -1623,7 +1625,7 @@
           <a:p>
             <a:fld id="{935F985D-4259-4660-A5D8-31AE797DEB74}" type="datetime1">
               <a:rPr kumimoji="1" lang="ja-JP" altLang="en-US" smtClean="0"/>
-              <a:t>2021/8/24</a:t>
+              <a:t>2021/8/25</a:t>
             </a:fld>
             <a:endParaRPr kumimoji="1" lang="ja-JP" altLang="en-US"/>
           </a:p>
@@ -1910,7 +1912,7 @@
           <a:p>
             <a:fld id="{83084C91-8755-4AAC-AFE0-7B115819D492}" type="datetime1">
               <a:rPr kumimoji="1" lang="ja-JP" altLang="en-US" smtClean="0"/>
-              <a:t>2021/8/24</a:t>
+              <a:t>2021/8/25</a:t>
             </a:fld>
             <a:endParaRPr kumimoji="1" lang="ja-JP" altLang="en-US"/>
           </a:p>
@@ -2402,7 +2404,7 @@
           <a:p>
             <a:fld id="{DF331EA2-A236-49D5-8409-DCC10462AD0E}" type="datetime1">
               <a:rPr kumimoji="1" lang="ja-JP" altLang="en-US" smtClean="0"/>
-              <a:t>2021/8/24</a:t>
+              <a:t>2021/8/25</a:t>
             </a:fld>
             <a:endParaRPr kumimoji="1" lang="ja-JP" altLang="en-US"/>
           </a:p>
@@ -2735,7 +2737,7 @@
           <a:p>
             <a:fld id="{2826FC6C-21C0-445A-94A6-E925111F3268}" type="datetime1">
               <a:rPr kumimoji="1" lang="ja-JP" altLang="en-US" smtClean="0"/>
-              <a:t>2021/8/24</a:t>
+              <a:t>2021/8/25</a:t>
             </a:fld>
             <a:endParaRPr kumimoji="1" lang="ja-JP" altLang="en-US"/>
           </a:p>
@@ -3215,7 +3217,7 @@
           <a:p>
             <a:fld id="{260AB3FA-BBC1-43DD-ADF6-8D080A2E5DC0}" type="datetime1">
               <a:rPr kumimoji="1" lang="ja-JP" altLang="en-US" smtClean="0"/>
-              <a:t>2021/8/24</a:t>
+              <a:t>2021/8/25</a:t>
             </a:fld>
             <a:endParaRPr kumimoji="1" lang="ja-JP" altLang="en-US"/>
           </a:p>
@@ -3360,7 +3362,7 @@
           <a:p>
             <a:fld id="{D03535DB-A148-4974-9BFC-0A331FCD9062}" type="datetime1">
               <a:rPr kumimoji="1" lang="ja-JP" altLang="en-US" smtClean="0"/>
-              <a:t>2021/8/24</a:t>
+              <a:t>2021/8/25</a:t>
             </a:fld>
             <a:endParaRPr kumimoji="1" lang="ja-JP" altLang="en-US"/>
           </a:p>
@@ -3477,7 +3479,7 @@
           <a:p>
             <a:fld id="{EAEA4565-5BF9-4302-9F00-5A1141F7DEE6}" type="datetime1">
               <a:rPr kumimoji="1" lang="ja-JP" altLang="en-US" smtClean="0"/>
-              <a:t>2021/8/24</a:t>
+              <a:t>2021/8/25</a:t>
             </a:fld>
             <a:endParaRPr kumimoji="1" lang="ja-JP" altLang="en-US"/>
           </a:p>
@@ -3824,7 +3826,7 @@
           <a:p>
             <a:fld id="{6230F9ED-D4C4-416C-ADBC-38051F9EAD48}" type="datetime1">
               <a:rPr kumimoji="1" lang="ja-JP" altLang="en-US" smtClean="0"/>
-              <a:t>2021/8/24</a:t>
+              <a:t>2021/8/25</a:t>
             </a:fld>
             <a:endParaRPr kumimoji="1" lang="ja-JP" altLang="en-US"/>
           </a:p>
@@ -4116,7 +4118,7 @@
           <a:p>
             <a:fld id="{6A522DA4-7D4F-48AF-A29D-CD7A49845DE0}" type="datetime1">
               <a:rPr kumimoji="1" lang="ja-JP" altLang="en-US" smtClean="0"/>
-              <a:t>2021/8/24</a:t>
+              <a:t>2021/8/25</a:t>
             </a:fld>
             <a:endParaRPr kumimoji="1" lang="ja-JP" altLang="en-US"/>
           </a:p>
@@ -4393,7 +4395,7 @@
           <a:p>
             <a:fld id="{C941E14B-8AAD-43F5-9FA1-198095C07BAB}" type="datetime1">
               <a:rPr kumimoji="1" lang="ja-JP" altLang="en-US" smtClean="0"/>
-              <a:t>2021/8/24</a:t>
+              <a:t>2021/8/25</a:t>
             </a:fld>
             <a:endParaRPr kumimoji="1" lang="ja-JP" altLang="en-US"/>
           </a:p>
@@ -5611,6 +5613,156 @@
           </a:p>
         </p:txBody>
       </p:sp>
+      <p:grpSp>
+        <p:nvGrpSpPr>
+          <p:cNvPr id="11" name="グループ化 10">
+            <a:extLst>
+              <a:ext uri="{FF2B5EF4-FFF2-40B4-BE49-F238E27FC236}">
+                <a16:creationId xmlns:a16="http://schemas.microsoft.com/office/drawing/2014/main" id="{BBB503EC-D78A-400D-A84F-8216B4CEC783}"/>
+              </a:ext>
+            </a:extLst>
+          </p:cNvPr>
+          <p:cNvGrpSpPr/>
+          <p:nvPr/>
+        </p:nvGrpSpPr>
+        <p:grpSpPr>
+          <a:xfrm>
+            <a:off x="5231356" y="3973049"/>
+            <a:ext cx="5064783" cy="2412287"/>
+            <a:chOff x="5646993" y="3964954"/>
+            <a:chExt cx="5064783" cy="2412287"/>
+          </a:xfrm>
+        </p:grpSpPr>
+        <p:pic>
+          <p:nvPicPr>
+            <p:cNvPr id="7" name="図 6">
+              <a:extLst>
+                <a:ext uri="{FF2B5EF4-FFF2-40B4-BE49-F238E27FC236}">
+                  <a16:creationId xmlns:a16="http://schemas.microsoft.com/office/drawing/2014/main" id="{419B02DE-6D2D-429B-A5C5-00E65F88D27C}"/>
+                </a:ext>
+              </a:extLst>
+            </p:cNvPr>
+            <p:cNvPicPr>
+              <a:picLocks noChangeAspect="1"/>
+            </p:cNvPicPr>
+            <p:nvPr/>
+          </p:nvPicPr>
+          <p:blipFill rotWithShape="1">
+            <a:blip r:embed="rId2"/>
+            <a:srcRect l="23409" t="18098" r="18476" b="2901"/>
+            <a:stretch/>
+          </p:blipFill>
+          <p:spPr>
+            <a:xfrm>
+              <a:off x="5646993" y="3964954"/>
+              <a:ext cx="2883998" cy="2345528"/>
+            </a:xfrm>
+            <a:prstGeom prst="rect">
+              <a:avLst/>
+            </a:prstGeom>
+          </p:spPr>
+        </p:pic>
+        <p:grpSp>
+          <p:nvGrpSpPr>
+            <p:cNvPr id="10" name="グループ化 9">
+              <a:extLst>
+                <a:ext uri="{FF2B5EF4-FFF2-40B4-BE49-F238E27FC236}">
+                  <a16:creationId xmlns:a16="http://schemas.microsoft.com/office/drawing/2014/main" id="{D5271765-8363-44FA-9682-077AFB6E885A}"/>
+                </a:ext>
+              </a:extLst>
+            </p:cNvPr>
+            <p:cNvGrpSpPr/>
+            <p:nvPr/>
+          </p:nvGrpSpPr>
+          <p:grpSpPr>
+            <a:xfrm>
+              <a:off x="8855193" y="4172889"/>
+              <a:ext cx="1856583" cy="2204352"/>
+              <a:chOff x="8855192" y="4135691"/>
+              <a:chExt cx="1856583" cy="2204352"/>
+            </a:xfrm>
+          </p:grpSpPr>
+          <p:sp>
+            <p:nvSpPr>
+              <p:cNvPr id="8" name="テキスト ボックス 7">
+                <a:extLst>
+                  <a:ext uri="{FF2B5EF4-FFF2-40B4-BE49-F238E27FC236}">
+                    <a16:creationId xmlns:a16="http://schemas.microsoft.com/office/drawing/2014/main" id="{78C6FE22-32F1-4BA3-96B8-EB9B431CDFF2}"/>
+                  </a:ext>
+                </a:extLst>
+              </p:cNvPr>
+              <p:cNvSpPr txBox="1"/>
+              <p:nvPr/>
+            </p:nvSpPr>
+            <p:spPr>
+              <a:xfrm>
+                <a:off x="8855192" y="5970711"/>
+                <a:ext cx="1856583" cy="369332"/>
+              </a:xfrm>
+              <a:prstGeom prst="rect">
+                <a:avLst/>
+              </a:prstGeom>
+              <a:noFill/>
+            </p:spPr>
+            <p:txBody>
+              <a:bodyPr wrap="square" rtlCol="0">
+                <a:spAutoFit/>
+              </a:bodyPr>
+              <a:lstStyle/>
+              <a:p>
+                <a:pPr algn="ctr"/>
+                <a:r>
+                  <a:rPr kumimoji="1" lang="en-US" altLang="ja-JP" dirty="0">
+                    <a:latin typeface="Arial" panose="020B0604020202020204" pitchFamily="34" charset="0"/>
+                    <a:cs typeface="Arial" panose="020B0604020202020204" pitchFamily="34" charset="0"/>
+                  </a:rPr>
+                  <a:t>PPG sensor</a:t>
+                </a:r>
+                <a:endParaRPr kumimoji="1" lang="ja-JP" altLang="en-US" dirty="0">
+                  <a:latin typeface="Arial" panose="020B0604020202020204" pitchFamily="34" charset="0"/>
+                  <a:cs typeface="Arial" panose="020B0604020202020204" pitchFamily="34" charset="0"/>
+                </a:endParaRPr>
+              </a:p>
+            </p:txBody>
+          </p:sp>
+          <p:pic>
+            <p:nvPicPr>
+              <p:cNvPr id="9" name="図 8" descr="グリーン, 座る, 屋内, 電子 が含まれている画像&#10;&#10;自動的に生成された説明">
+                <a:extLst>
+                  <a:ext uri="{FF2B5EF4-FFF2-40B4-BE49-F238E27FC236}">
+                    <a16:creationId xmlns:a16="http://schemas.microsoft.com/office/drawing/2014/main" id="{ED382E10-B1C5-42C1-808A-A9E79910D968}"/>
+                  </a:ext>
+                </a:extLst>
+              </p:cNvPr>
+              <p:cNvPicPr>
+                <a:picLocks noChangeAspect="1"/>
+              </p:cNvPicPr>
+              <p:nvPr/>
+            </p:nvPicPr>
+            <p:blipFill>
+              <a:blip r:embed="rId3">
+                <a:extLst>
+                  <a:ext uri="{28A0092B-C50C-407E-A947-70E740481C1C}">
+                    <a14:useLocalDpi xmlns:a14="http://schemas.microsoft.com/office/drawing/2010/main" val="0"/>
+                  </a:ext>
+                </a:extLst>
+              </a:blip>
+              <a:stretch>
+                <a:fillRect/>
+              </a:stretch>
+            </p:blipFill>
+            <p:spPr>
+              <a:xfrm>
+                <a:off x="8855192" y="4135691"/>
+                <a:ext cx="1856583" cy="1856583"/>
+              </a:xfrm>
+              <a:prstGeom prst="rect">
+                <a:avLst/>
+              </a:prstGeom>
+            </p:spPr>
+          </p:pic>
+        </p:grpSp>
+      </p:grpSp>
     </p:spTree>
     <p:extLst>
       <p:ext uri="{BB962C8B-B14F-4D97-AF65-F5344CB8AC3E}">
@@ -5700,13 +5852,157 @@
             <a:pPr lvl="1"/>
             <a:r>
               <a:rPr kumimoji="1" lang="en-US" altLang="ja-JP" dirty="0"/>
-              <a:t>Call, message, clock, and payment </a:t>
-            </a:r>
-            <a:r>
-              <a:rPr kumimoji="1" lang="en-US" altLang="ja-JP"/>
-              <a:t>functions: available</a:t>
-            </a:r>
-            <a:endParaRPr kumimoji="1" lang="ja-JP" altLang="en-US" dirty="0"/>
+              <a:t>Call, message, clock, and payment functions: available</a:t>
+            </a:r>
+          </a:p>
+          <a:p>
+            <a:pPr lvl="1"/>
+            <a:r>
+              <a:rPr kumimoji="1" lang="en-US" altLang="ja-JP" dirty="0"/>
+              <a:t>Acceleration, gyroscope, and GPS sensors</a:t>
+            </a:r>
+            <a:r>
+              <a:rPr lang="en-US" altLang="ja-JP" dirty="0"/>
+              <a:t>: available</a:t>
+            </a:r>
+          </a:p>
+          <a:p>
+            <a:pPr lvl="1"/>
+            <a:r>
+              <a:rPr lang="en-US" altLang="ja-JP" dirty="0"/>
+              <a:t>PPG sensor: </a:t>
+            </a:r>
+            <a:r>
+              <a:rPr lang="en-US" altLang="ja-JP" dirty="0">
+                <a:solidFill>
+                  <a:srgbClr val="FF0000"/>
+                </a:solidFill>
+              </a:rPr>
+              <a:t>unavailable</a:t>
+            </a:r>
+          </a:p>
+          <a:p>
+            <a:pPr marL="0" indent="0">
+              <a:buNone/>
+            </a:pPr>
+            <a:r>
+              <a:rPr lang="ja-JP" altLang="en-US" sz="2000" dirty="0"/>
+              <a:t>→ </a:t>
+            </a:r>
+            <a:r>
+              <a:rPr lang="en-US" altLang="ja-JP" sz="2000" b="1" dirty="0"/>
+              <a:t>Functions designed for the living body are not available on the artificial body.</a:t>
+            </a:r>
+          </a:p>
+          <a:p>
+            <a:pPr marL="0" indent="0">
+              <a:buNone/>
+            </a:pPr>
+            <a:endParaRPr lang="en-US" altLang="ja-JP" sz="2000" dirty="0"/>
+          </a:p>
+          <a:p>
+            <a:pPr marL="0" indent="0">
+              <a:buNone/>
+            </a:pPr>
+            <a:r>
+              <a:rPr lang="en-US" altLang="ja-JP" sz="2000" dirty="0"/>
+              <a:t>Solutions:</a:t>
+            </a:r>
+          </a:p>
+          <a:p>
+            <a:pPr marL="0" indent="0">
+              <a:buNone/>
+            </a:pPr>
+            <a:r>
+              <a:rPr lang="ja-JP" altLang="en-US" sz="2000" dirty="0">
+                <a:solidFill>
+                  <a:schemeClr val="accent1"/>
+                </a:solidFill>
+              </a:rPr>
+              <a:t>①</a:t>
+            </a:r>
+            <a:r>
+              <a:rPr lang="en-US" altLang="ja-JP" sz="2000" dirty="0">
+                <a:solidFill>
+                  <a:schemeClr val="accent1"/>
+                </a:solidFill>
+              </a:rPr>
+              <a:t> Attach device to ankle. </a:t>
+            </a:r>
+            <a:r>
+              <a:rPr lang="ja-JP" altLang="en-US" sz="2000" dirty="0">
+                <a:solidFill>
+                  <a:schemeClr val="accent1"/>
+                </a:solidFill>
+              </a:rPr>
+              <a:t>→ </a:t>
+            </a:r>
+            <a:r>
+              <a:rPr lang="en-US" altLang="ja-JP" sz="2000" dirty="0">
+                <a:solidFill>
+                  <a:schemeClr val="accent1"/>
+                </a:solidFill>
+              </a:rPr>
+              <a:t>Usability will be reduced.</a:t>
+            </a:r>
+          </a:p>
+          <a:p>
+            <a:pPr marL="0" indent="0">
+              <a:buNone/>
+            </a:pPr>
+            <a:r>
+              <a:rPr lang="ja-JP" altLang="en-US" sz="2000" dirty="0">
+                <a:solidFill>
+                  <a:schemeClr val="accent1"/>
+                </a:solidFill>
+              </a:rPr>
+              <a:t>② </a:t>
+            </a:r>
+            <a:r>
+              <a:rPr lang="en-US" altLang="ja-JP" sz="2000" dirty="0">
+                <a:solidFill>
+                  <a:schemeClr val="accent1"/>
+                </a:solidFill>
+              </a:rPr>
+              <a:t>Attach additional sensors. </a:t>
+            </a:r>
+            <a:r>
+              <a:rPr lang="ja-JP" altLang="en-US" sz="2000" dirty="0">
+                <a:solidFill>
+                  <a:schemeClr val="accent1"/>
+                </a:solidFill>
+              </a:rPr>
+              <a:t>→ </a:t>
+            </a:r>
+            <a:r>
+              <a:rPr lang="en-US" altLang="ja-JP" sz="2000" dirty="0">
+                <a:solidFill>
+                  <a:schemeClr val="accent1"/>
+                </a:solidFill>
+              </a:rPr>
+              <a:t>It is difficult to input data into commercial applications.</a:t>
+            </a:r>
+          </a:p>
+          <a:p>
+            <a:pPr marL="0" indent="0">
+              <a:buNone/>
+            </a:pPr>
+            <a:r>
+              <a:rPr lang="ja-JP" altLang="en-US" sz="2000" dirty="0">
+                <a:solidFill>
+                  <a:srgbClr val="FF0000"/>
+                </a:solidFill>
+              </a:rPr>
+              <a:t>③ </a:t>
+            </a:r>
+            <a:r>
+              <a:rPr lang="en-US" altLang="ja-JP" sz="2000" dirty="0">
+                <a:solidFill>
+                  <a:srgbClr val="FF0000"/>
+                </a:solidFill>
+              </a:rPr>
+              <a:t>Input arbitrary values to the sensors mounted on the device.</a:t>
+            </a:r>
           </a:p>
         </p:txBody>
       </p:sp>
@@ -5773,6 +6069,800 @@
     <p:extLst>
       <p:ext uri="{BB962C8B-B14F-4D97-AF65-F5344CB8AC3E}">
         <p14:creationId xmlns:p14="http://schemas.microsoft.com/office/powerpoint/2010/main" val="2068959131"/>
+      </p:ext>
+    </p:extLst>
+  </p:cSld>
+  <p:clrMapOvr>
+    <a:masterClrMapping/>
+  </p:clrMapOvr>
+</p:sld>
+</file>
+
+<file path=ppt/slides/slide5.xml><?xml version="1.0" encoding="utf-8"?>
+<p:sld xmlns:a="http://schemas.openxmlformats.org/drawingml/2006/main" xmlns:r="http://schemas.openxmlformats.org/officeDocument/2006/relationships" xmlns:p="http://schemas.openxmlformats.org/presentationml/2006/main">
+  <p:cSld>
+    <p:spTree>
+      <p:nvGrpSpPr>
+        <p:cNvPr id="1" name=""/>
+        <p:cNvGrpSpPr/>
+        <p:nvPr/>
+      </p:nvGrpSpPr>
+      <p:grpSpPr>
+        <a:xfrm>
+          <a:off x="0" y="0"/>
+          <a:ext cx="0" cy="0"/>
+          <a:chOff x="0" y="0"/>
+          <a:chExt cx="0" cy="0"/>
+        </a:xfrm>
+      </p:grpSpPr>
+      <p:sp>
+        <p:nvSpPr>
+          <p:cNvPr id="2" name="タイトル 1">
+            <a:extLst>
+              <a:ext uri="{FF2B5EF4-FFF2-40B4-BE49-F238E27FC236}">
+                <a16:creationId xmlns:a16="http://schemas.microsoft.com/office/drawing/2014/main" id="{2E3E5AC9-A49D-4175-851B-D6826A90F967}"/>
+              </a:ext>
+            </a:extLst>
+          </p:cNvPr>
+          <p:cNvSpPr>
+            <a:spLocks noGrp="1"/>
+          </p:cNvSpPr>
+          <p:nvPr>
+            <p:ph type="title"/>
+          </p:nvPr>
+        </p:nvSpPr>
+        <p:spPr/>
+        <p:txBody>
+          <a:bodyPr/>
+          <a:lstStyle/>
+          <a:p>
+            <a:r>
+              <a:rPr kumimoji="1" lang="en-US" altLang="ja-JP" dirty="0"/>
+              <a:t>Our approach</a:t>
+            </a:r>
+            <a:endParaRPr kumimoji="1" lang="ja-JP" altLang="en-US" dirty="0"/>
+          </a:p>
+        </p:txBody>
+      </p:sp>
+      <p:sp>
+        <p:nvSpPr>
+          <p:cNvPr id="3" name="コンテンツ プレースホルダー 2">
+            <a:extLst>
+              <a:ext uri="{FF2B5EF4-FFF2-40B4-BE49-F238E27FC236}">
+                <a16:creationId xmlns:a16="http://schemas.microsoft.com/office/drawing/2014/main" id="{EB24BF11-6F90-432C-B41E-CBE3974D32E2}"/>
+              </a:ext>
+            </a:extLst>
+          </p:cNvPr>
+          <p:cNvSpPr>
+            <a:spLocks noGrp="1"/>
+          </p:cNvSpPr>
+          <p:nvPr>
+            <p:ph idx="1"/>
+          </p:nvPr>
+        </p:nvSpPr>
+        <p:spPr/>
+        <p:txBody>
+          <a:bodyPr/>
+          <a:lstStyle/>
+          <a:p>
+            <a:pPr>
+              <a:buClr>
+                <a:schemeClr val="tx1"/>
+              </a:buClr>
+            </a:pPr>
+            <a:r>
+              <a:rPr kumimoji="1" lang="en-US" altLang="ja-JP" dirty="0">
+                <a:solidFill>
+                  <a:srgbClr val="FF0000"/>
+                </a:solidFill>
+              </a:rPr>
+              <a:t>Input</a:t>
+            </a:r>
+            <a:r>
+              <a:rPr kumimoji="1" lang="en-US" altLang="ja-JP" dirty="0"/>
+              <a:t> pulse data using </a:t>
+            </a:r>
+            <a:r>
+              <a:rPr kumimoji="1" lang="en-US" altLang="ja-JP" dirty="0">
+                <a:solidFill>
+                  <a:srgbClr val="FF0000"/>
+                </a:solidFill>
+              </a:rPr>
+              <a:t>the display</a:t>
+            </a:r>
+            <a:r>
+              <a:rPr kumimoji="1" lang="en-US" altLang="ja-JP" dirty="0"/>
+              <a:t>.</a:t>
+            </a:r>
+            <a:endParaRPr lang="en-US" altLang="ja-JP" dirty="0"/>
+          </a:p>
+          <a:p>
+            <a:pPr lvl="1">
+              <a:buClr>
+                <a:schemeClr val="tx1"/>
+              </a:buClr>
+            </a:pPr>
+            <a:r>
+              <a:rPr kumimoji="1" lang="en-US" altLang="ja-JP" dirty="0"/>
+              <a:t>No need blood flow.</a:t>
+            </a:r>
+          </a:p>
+          <a:p>
+            <a:pPr lvl="2">
+              <a:buClr>
+                <a:schemeClr val="tx1"/>
+              </a:buClr>
+            </a:pPr>
+            <a:r>
+              <a:rPr kumimoji="1" lang="en-US" altLang="ja-JP" dirty="0"/>
+              <a:t>Commercially available devices can be used on artificial hands.</a:t>
+            </a:r>
+            <a:endParaRPr lang="en-US" altLang="ja-JP" dirty="0"/>
+          </a:p>
+          <a:p>
+            <a:pPr lvl="1">
+              <a:buClr>
+                <a:schemeClr val="tx1"/>
+              </a:buClr>
+            </a:pPr>
+            <a:r>
+              <a:rPr kumimoji="1" lang="en-US" altLang="ja-JP" dirty="0"/>
+              <a:t>An arbitrary heart rate can be input.</a:t>
+            </a:r>
+          </a:p>
+          <a:p>
+            <a:pPr lvl="2">
+              <a:buClr>
+                <a:schemeClr val="tx1"/>
+              </a:buClr>
+            </a:pPr>
+            <a:r>
+              <a:rPr kumimoji="1" lang="en-US" altLang="ja-JP" dirty="0"/>
+              <a:t>The heart rate obtained from additional sensors can be reproduced.</a:t>
+            </a:r>
+            <a:endParaRPr lang="en-US" altLang="ja-JP" dirty="0"/>
+          </a:p>
+          <a:p>
+            <a:pPr lvl="2">
+              <a:buClr>
+                <a:schemeClr val="tx1"/>
+              </a:buClr>
+            </a:pPr>
+            <a:endParaRPr kumimoji="1" lang="en-US" altLang="ja-JP" dirty="0"/>
+          </a:p>
+          <a:p>
+            <a:pPr>
+              <a:buClr>
+                <a:schemeClr val="tx1"/>
+              </a:buClr>
+            </a:pPr>
+            <a:r>
+              <a:rPr kumimoji="1" lang="en-US" altLang="ja-JP" dirty="0"/>
+              <a:t>Revealing </a:t>
+            </a:r>
+            <a:r>
+              <a:rPr kumimoji="1" lang="en-US" altLang="ja-JP" dirty="0">
+                <a:solidFill>
+                  <a:srgbClr val="FF0000"/>
+                </a:solidFill>
+              </a:rPr>
+              <a:t>the vulnerability</a:t>
+            </a:r>
+            <a:r>
+              <a:rPr kumimoji="1" lang="en-US" altLang="ja-JP" dirty="0"/>
+              <a:t> of PPG sensors.</a:t>
+            </a:r>
+          </a:p>
+          <a:p>
+            <a:pPr lvl="1">
+              <a:buClr>
+                <a:schemeClr val="tx1"/>
+              </a:buClr>
+            </a:pPr>
+            <a:r>
+              <a:rPr kumimoji="1" lang="en-US" altLang="ja-JP" dirty="0"/>
+              <a:t>It is possible for a healthy person to pretend to be ill.</a:t>
+            </a:r>
+            <a:endParaRPr lang="en-US" altLang="ja-JP" dirty="0"/>
+          </a:p>
+          <a:p>
+            <a:pPr lvl="1">
+              <a:buClr>
+                <a:schemeClr val="tx1"/>
+              </a:buClr>
+            </a:pPr>
+            <a:r>
+              <a:rPr kumimoji="1" lang="en-US" altLang="ja-JP" dirty="0"/>
+              <a:t>It is possible for a sick person to pretend to be rest.</a:t>
+            </a:r>
+          </a:p>
+        </p:txBody>
+      </p:sp>
+      <p:sp>
+        <p:nvSpPr>
+          <p:cNvPr id="4" name="フッター プレースホルダー 3">
+            <a:extLst>
+              <a:ext uri="{FF2B5EF4-FFF2-40B4-BE49-F238E27FC236}">
+                <a16:creationId xmlns:a16="http://schemas.microsoft.com/office/drawing/2014/main" id="{1FB72E0E-F10C-4F39-882E-1751032AD28D}"/>
+              </a:ext>
+            </a:extLst>
+          </p:cNvPr>
+          <p:cNvSpPr>
+            <a:spLocks noGrp="1"/>
+          </p:cNvSpPr>
+          <p:nvPr>
+            <p:ph type="ftr" sz="quarter" idx="11"/>
+          </p:nvPr>
+        </p:nvSpPr>
+        <p:spPr/>
+        <p:txBody>
+          <a:bodyPr/>
+          <a:lstStyle/>
+          <a:p>
+            <a:r>
+              <a:rPr lang="en-US" altLang="ja-JP"/>
+              <a:t>International Symposium on Wearable Computers (ISWC ’21), September 21–26, 2021, Virtual, USA.</a:t>
+            </a:r>
+            <a:endParaRPr lang="ja-JP" altLang="en-US" dirty="0"/>
+          </a:p>
+        </p:txBody>
+      </p:sp>
+      <p:sp>
+        <p:nvSpPr>
+          <p:cNvPr id="5" name="スライド番号プレースホルダー 4">
+            <a:extLst>
+              <a:ext uri="{FF2B5EF4-FFF2-40B4-BE49-F238E27FC236}">
+                <a16:creationId xmlns:a16="http://schemas.microsoft.com/office/drawing/2014/main" id="{A5FAAC67-00FB-477C-865A-A653EB890B1E}"/>
+              </a:ext>
+            </a:extLst>
+          </p:cNvPr>
+          <p:cNvSpPr>
+            <a:spLocks noGrp="1"/>
+          </p:cNvSpPr>
+          <p:nvPr>
+            <p:ph type="sldNum" sz="quarter" idx="12"/>
+          </p:nvPr>
+        </p:nvSpPr>
+        <p:spPr/>
+        <p:txBody>
+          <a:bodyPr/>
+          <a:lstStyle/>
+          <a:p>
+            <a:fld id="{92084505-5355-43A2-B929-FD06D0DABC31}" type="slidenum">
+              <a:rPr lang="ja-JP" altLang="en-US" smtClean="0"/>
+              <a:pPr/>
+              <a:t>5</a:t>
+            </a:fld>
+            <a:endParaRPr lang="ja-JP" altLang="en-US" dirty="0"/>
+          </a:p>
+        </p:txBody>
+      </p:sp>
+      <p:pic>
+        <p:nvPicPr>
+          <p:cNvPr id="9" name="図 8">
+            <a:extLst>
+              <a:ext uri="{FF2B5EF4-FFF2-40B4-BE49-F238E27FC236}">
+                <a16:creationId xmlns:a16="http://schemas.microsoft.com/office/drawing/2014/main" id="{BAF6FA28-F2F5-4F1C-828D-BF8BED8A271B}"/>
+              </a:ext>
+            </a:extLst>
+          </p:cNvPr>
+          <p:cNvPicPr>
+            <a:picLocks noChangeAspect="1"/>
+          </p:cNvPicPr>
+          <p:nvPr/>
+        </p:nvPicPr>
+        <p:blipFill>
+          <a:blip r:embed="rId2"/>
+          <a:stretch>
+            <a:fillRect/>
+          </a:stretch>
+        </p:blipFill>
+        <p:spPr>
+          <a:xfrm>
+            <a:off x="9348115" y="3811070"/>
+            <a:ext cx="2394672" cy="2394672"/>
+          </a:xfrm>
+          <a:prstGeom prst="rect">
+            <a:avLst/>
+          </a:prstGeom>
+        </p:spPr>
+      </p:pic>
+    </p:spTree>
+    <p:extLst>
+      <p:ext uri="{BB962C8B-B14F-4D97-AF65-F5344CB8AC3E}">
+        <p14:creationId xmlns:p14="http://schemas.microsoft.com/office/powerpoint/2010/main" val="1306776256"/>
+      </p:ext>
+    </p:extLst>
+  </p:cSld>
+  <p:clrMapOvr>
+    <a:masterClrMapping/>
+  </p:clrMapOvr>
+</p:sld>
+</file>
+
+<file path=ppt/slides/slide6.xml><?xml version="1.0" encoding="utf-8"?>
+<p:sld xmlns:a="http://schemas.openxmlformats.org/drawingml/2006/main" xmlns:r="http://schemas.openxmlformats.org/officeDocument/2006/relationships" xmlns:p="http://schemas.openxmlformats.org/presentationml/2006/main">
+  <p:cSld>
+    <p:spTree>
+      <p:nvGrpSpPr>
+        <p:cNvPr id="1" name=""/>
+        <p:cNvGrpSpPr/>
+        <p:nvPr/>
+      </p:nvGrpSpPr>
+      <p:grpSpPr>
+        <a:xfrm>
+          <a:off x="0" y="0"/>
+          <a:ext cx="0" cy="0"/>
+          <a:chOff x="0" y="0"/>
+          <a:chExt cx="0" cy="0"/>
+        </a:xfrm>
+      </p:grpSpPr>
+      <p:sp>
+        <p:nvSpPr>
+          <p:cNvPr id="2" name="タイトル 1">
+            <a:extLst>
+              <a:ext uri="{FF2B5EF4-FFF2-40B4-BE49-F238E27FC236}">
+                <a16:creationId xmlns:a16="http://schemas.microsoft.com/office/drawing/2014/main" id="{E709B98A-F0F9-4900-B723-71906DB5FE53}"/>
+              </a:ext>
+            </a:extLst>
+          </p:cNvPr>
+          <p:cNvSpPr>
+            <a:spLocks noGrp="1"/>
+          </p:cNvSpPr>
+          <p:nvPr>
+            <p:ph type="title"/>
+          </p:nvPr>
+        </p:nvSpPr>
+        <p:spPr/>
+        <p:txBody>
+          <a:bodyPr/>
+          <a:lstStyle/>
+          <a:p>
+            <a:r>
+              <a:rPr kumimoji="1" lang="en-US" altLang="ja-JP" dirty="0"/>
+              <a:t>Related works</a:t>
+            </a:r>
+            <a:endParaRPr kumimoji="1" lang="ja-JP" altLang="en-US" dirty="0"/>
+          </a:p>
+        </p:txBody>
+      </p:sp>
+      <p:sp>
+        <p:nvSpPr>
+          <p:cNvPr id="3" name="コンテンツ プレースホルダー 2">
+            <a:extLst>
+              <a:ext uri="{FF2B5EF4-FFF2-40B4-BE49-F238E27FC236}">
+                <a16:creationId xmlns:a16="http://schemas.microsoft.com/office/drawing/2014/main" id="{79F3615E-BAD3-4FEF-B7C5-4B93382EE1A9}"/>
+              </a:ext>
+            </a:extLst>
+          </p:cNvPr>
+          <p:cNvSpPr>
+            <a:spLocks noGrp="1"/>
+          </p:cNvSpPr>
+          <p:nvPr>
+            <p:ph idx="1"/>
+          </p:nvPr>
+        </p:nvSpPr>
+        <p:spPr/>
+        <p:txBody>
+          <a:bodyPr>
+            <a:normAutofit/>
+          </a:bodyPr>
+          <a:lstStyle/>
+          <a:p>
+            <a:pPr>
+              <a:lnSpc>
+                <a:spcPct val="150000"/>
+              </a:lnSpc>
+            </a:pPr>
+            <a:r>
+              <a:rPr kumimoji="1" lang="en-US" altLang="ja-JP" sz="2400" dirty="0"/>
+              <a:t>Estimating respiratory rate from pulse wave.</a:t>
+            </a:r>
+            <a:r>
+              <a:rPr kumimoji="1" lang="en-US" altLang="ja-JP" sz="2000" dirty="0"/>
+              <a:t>[1]</a:t>
+            </a:r>
+            <a:endParaRPr kumimoji="1" lang="en-US" altLang="ja-JP" dirty="0"/>
+          </a:p>
+          <a:p>
+            <a:pPr>
+              <a:lnSpc>
+                <a:spcPct val="150000"/>
+              </a:lnSpc>
+            </a:pPr>
+            <a:r>
+              <a:rPr lang="en-US" altLang="ja-JP" sz="2400" dirty="0"/>
+              <a:t>D</a:t>
+            </a:r>
+            <a:r>
+              <a:rPr kumimoji="1" lang="en-US" altLang="ja-JP" sz="2400" dirty="0"/>
+              <a:t>etecting arrhythmia from pulse wave.</a:t>
+            </a:r>
+            <a:r>
+              <a:rPr kumimoji="1" lang="en-US" altLang="ja-JP" sz="2000" dirty="0"/>
+              <a:t>[2]</a:t>
+            </a:r>
+            <a:endParaRPr kumimoji="1" lang="en-US" altLang="ja-JP" dirty="0"/>
+          </a:p>
+          <a:p>
+            <a:pPr>
+              <a:lnSpc>
+                <a:spcPct val="150000"/>
+              </a:lnSpc>
+            </a:pPr>
+            <a:r>
+              <a:rPr kumimoji="1" lang="en-US" altLang="ja-JP" sz="2400" dirty="0"/>
+              <a:t>Predicting emotions during work from behavioral and pulse wave.</a:t>
+            </a:r>
+            <a:r>
+              <a:rPr kumimoji="1" lang="en-US" altLang="ja-JP" sz="2000" dirty="0"/>
+              <a:t>[3]</a:t>
+            </a:r>
+            <a:endParaRPr kumimoji="1" lang="en-US" altLang="ja-JP" dirty="0"/>
+          </a:p>
+          <a:p>
+            <a:pPr marL="0" indent="0">
+              <a:buNone/>
+            </a:pPr>
+            <a:endParaRPr kumimoji="1" lang="en-US" altLang="ja-JP" sz="2400" dirty="0"/>
+          </a:p>
+          <a:p>
+            <a:pPr marL="0" marR="0" lvl="0" indent="0" algn="l" defTabSz="914400" rtl="0" eaLnBrk="1" fontAlgn="auto" latinLnBrk="0" hangingPunct="1">
+              <a:lnSpc>
+                <a:spcPct val="90000"/>
+              </a:lnSpc>
+              <a:spcBef>
+                <a:spcPts val="1000"/>
+              </a:spcBef>
+              <a:spcAft>
+                <a:spcPts val="0"/>
+              </a:spcAft>
+              <a:buClrTx/>
+              <a:buSzTx/>
+              <a:buFont typeface="Arial" panose="020B0604020202020204" pitchFamily="34" charset="0"/>
+              <a:buNone/>
+              <a:tabLst/>
+              <a:defRPr/>
+            </a:pPr>
+            <a:r>
+              <a:rPr kumimoji="1" lang="en-US" altLang="ja-JP" sz="1600" b="0" i="0" u="none" strike="noStrike" kern="1200" cap="none" spc="0" normalizeH="0" baseline="0" noProof="0" dirty="0">
+                <a:ln>
+                  <a:noFill/>
+                </a:ln>
+                <a:solidFill>
+                  <a:prstClr val="black"/>
+                </a:solidFill>
+                <a:effectLst/>
+                <a:uLnTx/>
+                <a:uFillTx/>
+                <a:latin typeface="Arial" panose="020B0604020202020204" pitchFamily="34" charset="0"/>
+                <a:ea typeface="HGPｺﾞｼｯｸE" panose="020B0900000000000000" pitchFamily="50" charset="-128"/>
+                <a:cs typeface="Arial" panose="020B0604020202020204" pitchFamily="34" charset="0"/>
+              </a:rPr>
+              <a:t>[1] </a:t>
+            </a:r>
+            <a:r>
+              <a:rPr kumimoji="1" lang="en-US" altLang="ja-JP" sz="1600" b="0" i="0" u="none" strike="noStrike" kern="1200" cap="none" spc="0" normalizeH="0" baseline="0" noProof="0" dirty="0" err="1">
+                <a:ln>
+                  <a:noFill/>
+                </a:ln>
+                <a:solidFill>
+                  <a:prstClr val="black"/>
+                </a:solidFill>
+                <a:effectLst/>
+                <a:uLnTx/>
+                <a:uFillTx/>
+                <a:latin typeface="Arial" panose="020B0604020202020204" pitchFamily="34" charset="0"/>
+                <a:ea typeface="HGPｺﾞｼｯｸE" panose="020B0900000000000000" pitchFamily="50" charset="-128"/>
+                <a:cs typeface="Arial" panose="020B0604020202020204" pitchFamily="34" charset="0"/>
+              </a:rPr>
+              <a:t>Havriushenko</a:t>
+            </a:r>
+            <a:r>
+              <a:rPr kumimoji="1" lang="en-US" altLang="ja-JP" sz="1600" b="0" i="0" u="none" strike="noStrike" kern="1200" cap="none" spc="0" normalizeH="0" baseline="0" noProof="0" dirty="0">
+                <a:ln>
+                  <a:noFill/>
+                </a:ln>
+                <a:solidFill>
+                  <a:prstClr val="black"/>
+                </a:solidFill>
+                <a:effectLst/>
+                <a:uLnTx/>
+                <a:uFillTx/>
+                <a:latin typeface="Arial" panose="020B0604020202020204" pitchFamily="34" charset="0"/>
+                <a:ea typeface="HGPｺﾞｼｯｸE" panose="020B0900000000000000" pitchFamily="50" charset="-128"/>
+                <a:cs typeface="Arial" panose="020B0604020202020204" pitchFamily="34" charset="0"/>
+              </a:rPr>
+              <a:t> et al.: Smartwatch based respiratory rate estimation during sleep using </a:t>
+            </a:r>
+            <a:r>
+              <a:rPr kumimoji="1" lang="en-US" altLang="ja-JP" sz="1600" b="0" i="0" u="none" strike="noStrike" kern="1200" cap="none" spc="0" normalizeH="0" baseline="0" noProof="0" dirty="0" err="1">
+                <a:ln>
+                  <a:noFill/>
+                </a:ln>
+                <a:solidFill>
+                  <a:prstClr val="black"/>
+                </a:solidFill>
+                <a:effectLst/>
+                <a:uLnTx/>
+                <a:uFillTx/>
+                <a:latin typeface="Arial" panose="020B0604020202020204" pitchFamily="34" charset="0"/>
+                <a:ea typeface="HGPｺﾞｼｯｸE" panose="020B0900000000000000" pitchFamily="50" charset="-128"/>
+                <a:cs typeface="Arial" panose="020B0604020202020204" pitchFamily="34" charset="0"/>
+              </a:rPr>
+              <a:t>cnn</a:t>
+            </a:r>
+            <a:r>
+              <a:rPr kumimoji="1" lang="en-US" altLang="ja-JP" sz="1600" b="0" i="0" u="none" strike="noStrike" kern="1200" cap="none" spc="0" normalizeH="0" baseline="0" noProof="0" dirty="0">
+                <a:ln>
+                  <a:noFill/>
+                </a:ln>
+                <a:solidFill>
+                  <a:prstClr val="black"/>
+                </a:solidFill>
+                <a:effectLst/>
+                <a:uLnTx/>
+                <a:uFillTx/>
+                <a:latin typeface="Arial" panose="020B0604020202020204" pitchFamily="34" charset="0"/>
+                <a:ea typeface="HGPｺﾞｼｯｸE" panose="020B0900000000000000" pitchFamily="50" charset="-128"/>
+                <a:cs typeface="Arial" panose="020B0604020202020204" pitchFamily="34" charset="0"/>
+              </a:rPr>
+              <a:t>/</a:t>
+            </a:r>
+            <a:r>
+              <a:rPr kumimoji="1" lang="en-US" altLang="ja-JP" sz="1600" b="0" i="0" u="none" strike="noStrike" kern="1200" cap="none" spc="0" normalizeH="0" baseline="0" noProof="0" dirty="0" err="1">
+                <a:ln>
+                  <a:noFill/>
+                </a:ln>
+                <a:solidFill>
+                  <a:prstClr val="black"/>
+                </a:solidFill>
+                <a:effectLst/>
+                <a:uLnTx/>
+                <a:uFillTx/>
+                <a:latin typeface="Arial" panose="020B0604020202020204" pitchFamily="34" charset="0"/>
+                <a:ea typeface="HGPｺﾞｼｯｸE" panose="020B0900000000000000" pitchFamily="50" charset="-128"/>
+                <a:cs typeface="Arial" panose="020B0604020202020204" pitchFamily="34" charset="0"/>
+              </a:rPr>
+              <a:t>lstm</a:t>
+            </a:r>
+            <a:r>
+              <a:rPr kumimoji="1" lang="en-US" altLang="ja-JP" sz="1600" b="0" i="0" u="none" strike="noStrike" kern="1200" cap="none" spc="0" normalizeH="0" baseline="0" noProof="0" dirty="0">
+                <a:ln>
+                  <a:noFill/>
+                </a:ln>
+                <a:solidFill>
+                  <a:prstClr val="black"/>
+                </a:solidFill>
+                <a:effectLst/>
+                <a:uLnTx/>
+                <a:uFillTx/>
+                <a:latin typeface="Arial" panose="020B0604020202020204" pitchFamily="34" charset="0"/>
+                <a:ea typeface="HGPｺﾞｼｯｸE" panose="020B0900000000000000" pitchFamily="50" charset="-128"/>
+                <a:cs typeface="Arial" panose="020B0604020202020204" pitchFamily="34" charset="0"/>
+              </a:rPr>
+              <a:t> neural network. ELNANO, pp. 584-587 (2020).</a:t>
+            </a:r>
+          </a:p>
+          <a:p>
+            <a:pPr marL="0" marR="0" lvl="0" indent="0" algn="l" defTabSz="914400" rtl="0" eaLnBrk="1" fontAlgn="auto" latinLnBrk="0" hangingPunct="1">
+              <a:lnSpc>
+                <a:spcPct val="90000"/>
+              </a:lnSpc>
+              <a:spcBef>
+                <a:spcPts val="1000"/>
+              </a:spcBef>
+              <a:spcAft>
+                <a:spcPts val="0"/>
+              </a:spcAft>
+              <a:buClrTx/>
+              <a:buSzTx/>
+              <a:buFont typeface="Arial" panose="020B0604020202020204" pitchFamily="34" charset="0"/>
+              <a:buNone/>
+              <a:tabLst/>
+              <a:defRPr/>
+            </a:pPr>
+            <a:r>
+              <a:rPr kumimoji="1" lang="en-US" altLang="ja-JP" sz="1600" b="0" i="0" u="none" strike="noStrike" kern="1200" cap="none" spc="0" normalizeH="0" baseline="0" noProof="0" dirty="0">
+                <a:ln>
+                  <a:noFill/>
+                </a:ln>
+                <a:solidFill>
+                  <a:prstClr val="black"/>
+                </a:solidFill>
+                <a:effectLst/>
+                <a:uLnTx/>
+                <a:uFillTx/>
+                <a:latin typeface="Arial" panose="020B0604020202020204" pitchFamily="34" charset="0"/>
+                <a:ea typeface="HGPｺﾞｼｯｸE" panose="020B0900000000000000" pitchFamily="50" charset="-128"/>
+                <a:cs typeface="Arial" panose="020B0604020202020204" pitchFamily="34" charset="0"/>
+              </a:rPr>
+              <a:t>[2] Han et al.: Premature atrial and ventricular contraction detection using </a:t>
+            </a:r>
+            <a:r>
+              <a:rPr kumimoji="1" lang="en-US" altLang="ja-JP" sz="1600" b="0" i="0" u="none" strike="noStrike" kern="1200" cap="none" spc="0" normalizeH="0" baseline="0" noProof="0" dirty="0" err="1">
+                <a:ln>
+                  <a:noFill/>
+                </a:ln>
+                <a:solidFill>
+                  <a:prstClr val="black"/>
+                </a:solidFill>
+                <a:effectLst/>
+                <a:uLnTx/>
+                <a:uFillTx/>
+                <a:latin typeface="Arial" panose="020B0604020202020204" pitchFamily="34" charset="0"/>
+                <a:ea typeface="HGPｺﾞｼｯｸE" panose="020B0900000000000000" pitchFamily="50" charset="-128"/>
+                <a:cs typeface="Arial" panose="020B0604020202020204" pitchFamily="34" charset="0"/>
+              </a:rPr>
+              <a:t>photoplethysmographic</a:t>
+            </a:r>
+            <a:r>
+              <a:rPr kumimoji="1" lang="en-US" altLang="ja-JP" sz="1600" b="0" i="0" u="none" strike="noStrike" kern="1200" cap="none" spc="0" normalizeH="0" baseline="0" noProof="0" dirty="0">
+                <a:ln>
+                  <a:noFill/>
+                </a:ln>
+                <a:solidFill>
+                  <a:prstClr val="black"/>
+                </a:solidFill>
+                <a:effectLst/>
+                <a:uLnTx/>
+                <a:uFillTx/>
+                <a:latin typeface="Arial" panose="020B0604020202020204" pitchFamily="34" charset="0"/>
+                <a:ea typeface="HGPｺﾞｼｯｸE" panose="020B0900000000000000" pitchFamily="50" charset="-128"/>
+                <a:cs typeface="Arial" panose="020B0604020202020204" pitchFamily="34" charset="0"/>
+              </a:rPr>
+              <a:t> data from a smartwatch. Sensors, Vol. 20, No. 19, pp. 5683 (2020).</a:t>
+            </a:r>
+          </a:p>
+          <a:p>
+            <a:pPr marL="0" marR="0" lvl="0" indent="0" algn="l" defTabSz="914400" rtl="0" eaLnBrk="1" fontAlgn="auto" latinLnBrk="0" hangingPunct="1">
+              <a:lnSpc>
+                <a:spcPct val="90000"/>
+              </a:lnSpc>
+              <a:spcBef>
+                <a:spcPts val="1000"/>
+              </a:spcBef>
+              <a:spcAft>
+                <a:spcPts val="0"/>
+              </a:spcAft>
+              <a:buClrTx/>
+              <a:buSzTx/>
+              <a:buFont typeface="Arial" panose="020B0604020202020204" pitchFamily="34" charset="0"/>
+              <a:buNone/>
+              <a:tabLst/>
+              <a:defRPr/>
+            </a:pPr>
+            <a:r>
+              <a:rPr kumimoji="1" lang="en-US" altLang="ja-JP" sz="1600" b="0" i="0" u="none" strike="noStrike" kern="1200" cap="none" spc="0" normalizeH="0" baseline="0" noProof="0" dirty="0">
+                <a:ln>
+                  <a:noFill/>
+                </a:ln>
+                <a:solidFill>
+                  <a:prstClr val="black"/>
+                </a:solidFill>
+                <a:effectLst/>
+                <a:uLnTx/>
+                <a:uFillTx/>
+                <a:latin typeface="Arial" panose="020B0604020202020204" pitchFamily="34" charset="0"/>
+                <a:ea typeface="HGPｺﾞｼｯｸE" panose="020B0900000000000000" pitchFamily="50" charset="-128"/>
+                <a:cs typeface="Arial" panose="020B0604020202020204" pitchFamily="34" charset="0"/>
+              </a:rPr>
+              <a:t>[3] </a:t>
+            </a:r>
+            <a:r>
+              <a:rPr kumimoji="1" lang="en-US" altLang="ja-JP" sz="1600" b="0" i="0" u="none" strike="noStrike" kern="1200" cap="none" spc="0" normalizeH="0" baseline="0" noProof="0" dirty="0" err="1">
+                <a:ln>
+                  <a:noFill/>
+                </a:ln>
+                <a:solidFill>
+                  <a:prstClr val="black"/>
+                </a:solidFill>
+                <a:effectLst/>
+                <a:uLnTx/>
+                <a:uFillTx/>
+                <a:latin typeface="Arial" panose="020B0604020202020204" pitchFamily="34" charset="0"/>
+                <a:ea typeface="HGPｺﾞｼｯｸE" panose="020B0900000000000000" pitchFamily="50" charset="-128"/>
+                <a:cs typeface="Arial" panose="020B0604020202020204" pitchFamily="34" charset="0"/>
+              </a:rPr>
+              <a:t>Kajiwara</a:t>
+            </a:r>
+            <a:r>
+              <a:rPr kumimoji="1" lang="en-US" altLang="ja-JP" sz="1600" b="0" i="0" u="none" strike="noStrike" kern="1200" cap="none" spc="0" normalizeH="0" baseline="0" noProof="0" dirty="0">
+                <a:ln>
+                  <a:noFill/>
+                </a:ln>
+                <a:solidFill>
+                  <a:prstClr val="black"/>
+                </a:solidFill>
+                <a:effectLst/>
+                <a:uLnTx/>
+                <a:uFillTx/>
+                <a:latin typeface="Arial" panose="020B0604020202020204" pitchFamily="34" charset="0"/>
+                <a:ea typeface="HGPｺﾞｼｯｸE" panose="020B0900000000000000" pitchFamily="50" charset="-128"/>
+                <a:cs typeface="Arial" panose="020B0604020202020204" pitchFamily="34" charset="0"/>
+              </a:rPr>
+              <a:t> et al.: Predicting emotion and engagement of workers in order picking based on behavior and pulse waves acquired by wearable devices. Sensors, Vol. 19, No. 1 (2019).</a:t>
+            </a:r>
+            <a:endParaRPr kumimoji="1" lang="ja-JP" altLang="en-US" sz="1600" b="0" i="0" u="none" strike="noStrike" kern="1200" cap="none" spc="0" normalizeH="0" baseline="0" noProof="0" dirty="0">
+              <a:ln>
+                <a:noFill/>
+              </a:ln>
+              <a:solidFill>
+                <a:prstClr val="black"/>
+              </a:solidFill>
+              <a:effectLst/>
+              <a:uLnTx/>
+              <a:uFillTx/>
+              <a:latin typeface="Arial" panose="020B0604020202020204" pitchFamily="34" charset="0"/>
+              <a:ea typeface="HGPｺﾞｼｯｸE" panose="020B0900000000000000" pitchFamily="50" charset="-128"/>
+              <a:cs typeface="Arial" panose="020B0604020202020204" pitchFamily="34" charset="0"/>
+            </a:endParaRPr>
+          </a:p>
+        </p:txBody>
+      </p:sp>
+      <p:sp>
+        <p:nvSpPr>
+          <p:cNvPr id="4" name="フッター プレースホルダー 3">
+            <a:extLst>
+              <a:ext uri="{FF2B5EF4-FFF2-40B4-BE49-F238E27FC236}">
+                <a16:creationId xmlns:a16="http://schemas.microsoft.com/office/drawing/2014/main" id="{87428888-6657-4C2C-95E2-92D3943D7071}"/>
+              </a:ext>
+            </a:extLst>
+          </p:cNvPr>
+          <p:cNvSpPr>
+            <a:spLocks noGrp="1"/>
+          </p:cNvSpPr>
+          <p:nvPr>
+            <p:ph type="ftr" sz="quarter" idx="11"/>
+          </p:nvPr>
+        </p:nvSpPr>
+        <p:spPr/>
+        <p:txBody>
+          <a:bodyPr/>
+          <a:lstStyle/>
+          <a:p>
+            <a:r>
+              <a:rPr lang="en-US" altLang="ja-JP"/>
+              <a:t>International Symposium on Wearable Computers (ISWC ’21), September 21–26, 2021, Virtual, USA.</a:t>
+            </a:r>
+            <a:endParaRPr lang="ja-JP" altLang="en-US" dirty="0"/>
+          </a:p>
+        </p:txBody>
+      </p:sp>
+      <p:sp>
+        <p:nvSpPr>
+          <p:cNvPr id="5" name="スライド番号プレースホルダー 4">
+            <a:extLst>
+              <a:ext uri="{FF2B5EF4-FFF2-40B4-BE49-F238E27FC236}">
+                <a16:creationId xmlns:a16="http://schemas.microsoft.com/office/drawing/2014/main" id="{740A8739-6159-496B-AA99-986BA4C97218}"/>
+              </a:ext>
+            </a:extLst>
+          </p:cNvPr>
+          <p:cNvSpPr>
+            <a:spLocks noGrp="1"/>
+          </p:cNvSpPr>
+          <p:nvPr>
+            <p:ph type="sldNum" sz="quarter" idx="12"/>
+          </p:nvPr>
+        </p:nvSpPr>
+        <p:spPr/>
+        <p:txBody>
+          <a:bodyPr/>
+          <a:lstStyle/>
+          <a:p>
+            <a:fld id="{92084505-5355-43A2-B929-FD06D0DABC31}" type="slidenum">
+              <a:rPr lang="ja-JP" altLang="en-US" smtClean="0"/>
+              <a:pPr/>
+              <a:t>6</a:t>
+            </a:fld>
+            <a:endParaRPr lang="ja-JP" altLang="en-US" dirty="0"/>
+          </a:p>
+        </p:txBody>
+      </p:sp>
+    </p:spTree>
+    <p:extLst>
+      <p:ext uri="{BB962C8B-B14F-4D97-AF65-F5344CB8AC3E}">
+        <p14:creationId xmlns:p14="http://schemas.microsoft.com/office/powerpoint/2010/main" val="1039863112"/>
       </p:ext>
     </p:extLst>
   </p:cSld>
